--- a/files/Session_8_Ibrahim3zazy/Tasks/Searches/difference about join and union.pptx
+++ b/files/Session_8_Ibrahim3zazy/Tasks/Searches/difference about join and union.pptx
@@ -106,6 +106,11 @@
       </a:defRPr>
     </a:lvl9pPr>
   </p:defaultTextStyle>
+  <p:extLst>
+    <p:ext uri="{EFAFB233-063F-42B5-8137-9DF3F51BA10A}">
+      <p15:sldGuideLst xmlns:p15="http://schemas.microsoft.com/office/powerpoint/2012/main"/>
+    </p:ext>
+  </p:extLst>
 </p:presentation>
 </file>
 
@@ -256,7 +261,7 @@
           <a:p>
             <a:fld id="{A85EE0F3-F092-427D-A36C-2DB87EBD6FA5}" type="datetimeFigureOut">
               <a:rPr lang="en-US" smtClean="0"/>
-              <a:t>2024-04-06</a:t>
+              <a:t>2024-04-12</a:t>
             </a:fld>
             <a:endParaRPr lang="en-US"/>
           </a:p>
@@ -326,13 +331,13 @@
   <p:clrMapOvr>
     <a:masterClrMapping/>
   </p:clrMapOvr>
-  <mc:AlternateContent xmlns:mc="http://schemas.openxmlformats.org/markup-compatibility/2006">
-    <mc:Choice xmlns:p14="http://schemas.microsoft.com/office/powerpoint/2010/main" Requires="p14">
+  <mc:AlternateContent xmlns:mc="http://schemas.openxmlformats.org/markup-compatibility/2006" xmlns:p14="http://schemas.microsoft.com/office/powerpoint/2010/main">
+    <mc:Choice Requires="p14">
       <p:transition spd="slow" p14:dur="1500">
         <p:random/>
       </p:transition>
     </mc:Choice>
-    <mc:Fallback>
+    <mc:Fallback xmlns="">
       <p:transition spd="slow">
         <p:random/>
       </p:transition>
@@ -466,7 +471,7 @@
           <a:p>
             <a:fld id="{A85EE0F3-F092-427D-A36C-2DB87EBD6FA5}" type="datetimeFigureOut">
               <a:rPr lang="en-US" smtClean="0"/>
-              <a:t>2024-04-06</a:t>
+              <a:t>2024-04-12</a:t>
             </a:fld>
             <a:endParaRPr lang="en-US"/>
           </a:p>
@@ -536,13 +541,13 @@
   <p:clrMapOvr>
     <a:masterClrMapping/>
   </p:clrMapOvr>
-  <mc:AlternateContent xmlns:mc="http://schemas.openxmlformats.org/markup-compatibility/2006">
-    <mc:Choice xmlns:p14="http://schemas.microsoft.com/office/powerpoint/2010/main" Requires="p14">
+  <mc:AlternateContent xmlns:mc="http://schemas.openxmlformats.org/markup-compatibility/2006" xmlns:p14="http://schemas.microsoft.com/office/powerpoint/2010/main">
+    <mc:Choice Requires="p14">
       <p:transition spd="slow" p14:dur="1500">
         <p:random/>
       </p:transition>
     </mc:Choice>
-    <mc:Fallback>
+    <mc:Fallback xmlns="">
       <p:transition spd="slow">
         <p:random/>
       </p:transition>
@@ -686,7 +691,7 @@
           <a:p>
             <a:fld id="{A85EE0F3-F092-427D-A36C-2DB87EBD6FA5}" type="datetimeFigureOut">
               <a:rPr lang="en-US" smtClean="0"/>
-              <a:t>2024-04-06</a:t>
+              <a:t>2024-04-12</a:t>
             </a:fld>
             <a:endParaRPr lang="en-US"/>
           </a:p>
@@ -756,13 +761,13 @@
   <p:clrMapOvr>
     <a:masterClrMapping/>
   </p:clrMapOvr>
-  <mc:AlternateContent xmlns:mc="http://schemas.openxmlformats.org/markup-compatibility/2006">
-    <mc:Choice xmlns:p14="http://schemas.microsoft.com/office/powerpoint/2010/main" Requires="p14">
+  <mc:AlternateContent xmlns:mc="http://schemas.openxmlformats.org/markup-compatibility/2006" xmlns:p14="http://schemas.microsoft.com/office/powerpoint/2010/main">
+    <mc:Choice Requires="p14">
       <p:transition spd="slow" p14:dur="1500">
         <p:random/>
       </p:transition>
     </mc:Choice>
-    <mc:Fallback>
+    <mc:Fallback xmlns="">
       <p:transition spd="slow">
         <p:random/>
       </p:transition>
@@ -896,7 +901,7 @@
           <a:p>
             <a:fld id="{A85EE0F3-F092-427D-A36C-2DB87EBD6FA5}" type="datetimeFigureOut">
               <a:rPr lang="en-US" smtClean="0"/>
-              <a:t>2024-04-06</a:t>
+              <a:t>2024-04-12</a:t>
             </a:fld>
             <a:endParaRPr lang="en-US"/>
           </a:p>
@@ -966,13 +971,13 @@
   <p:clrMapOvr>
     <a:masterClrMapping/>
   </p:clrMapOvr>
-  <mc:AlternateContent xmlns:mc="http://schemas.openxmlformats.org/markup-compatibility/2006">
-    <mc:Choice xmlns:p14="http://schemas.microsoft.com/office/powerpoint/2010/main" Requires="p14">
+  <mc:AlternateContent xmlns:mc="http://schemas.openxmlformats.org/markup-compatibility/2006" xmlns:p14="http://schemas.microsoft.com/office/powerpoint/2010/main">
+    <mc:Choice Requires="p14">
       <p:transition spd="slow" p14:dur="1500">
         <p:random/>
       </p:transition>
     </mc:Choice>
-    <mc:Fallback>
+    <mc:Fallback xmlns="">
       <p:transition spd="slow">
         <p:random/>
       </p:transition>
@@ -1183,7 +1188,7 @@
           <a:p>
             <a:fld id="{A85EE0F3-F092-427D-A36C-2DB87EBD6FA5}" type="datetimeFigureOut">
               <a:rPr lang="en-US" smtClean="0"/>
-              <a:t>2024-04-06</a:t>
+              <a:t>2024-04-12</a:t>
             </a:fld>
             <a:endParaRPr lang="en-US"/>
           </a:p>
@@ -1253,13 +1258,13 @@
   <p:clrMapOvr>
     <a:masterClrMapping/>
   </p:clrMapOvr>
-  <mc:AlternateContent xmlns:mc="http://schemas.openxmlformats.org/markup-compatibility/2006">
-    <mc:Choice xmlns:p14="http://schemas.microsoft.com/office/powerpoint/2010/main" Requires="p14">
+  <mc:AlternateContent xmlns:mc="http://schemas.openxmlformats.org/markup-compatibility/2006" xmlns:p14="http://schemas.microsoft.com/office/powerpoint/2010/main">
+    <mc:Choice Requires="p14">
       <p:transition spd="slow" p14:dur="1500">
         <p:random/>
       </p:transition>
     </mc:Choice>
-    <mc:Fallback>
+    <mc:Fallback xmlns="">
       <p:transition spd="slow">
         <p:random/>
       </p:transition>
@@ -1460,7 +1465,7 @@
           <a:p>
             <a:fld id="{A85EE0F3-F092-427D-A36C-2DB87EBD6FA5}" type="datetimeFigureOut">
               <a:rPr lang="en-US" smtClean="0"/>
-              <a:t>2024-04-06</a:t>
+              <a:t>2024-04-12</a:t>
             </a:fld>
             <a:endParaRPr lang="en-US"/>
           </a:p>
@@ -1530,13 +1535,13 @@
   <p:clrMapOvr>
     <a:masterClrMapping/>
   </p:clrMapOvr>
-  <mc:AlternateContent xmlns:mc="http://schemas.openxmlformats.org/markup-compatibility/2006">
-    <mc:Choice xmlns:p14="http://schemas.microsoft.com/office/powerpoint/2010/main" Requires="p14">
+  <mc:AlternateContent xmlns:mc="http://schemas.openxmlformats.org/markup-compatibility/2006" xmlns:p14="http://schemas.microsoft.com/office/powerpoint/2010/main">
+    <mc:Choice Requires="p14">
       <p:transition spd="slow" p14:dur="1500">
         <p:random/>
       </p:transition>
     </mc:Choice>
-    <mc:Fallback>
+    <mc:Fallback xmlns="">
       <p:transition spd="slow">
         <p:random/>
       </p:transition>
@@ -1884,7 +1889,7 @@
           <a:p>
             <a:fld id="{A85EE0F3-F092-427D-A36C-2DB87EBD6FA5}" type="datetimeFigureOut">
               <a:rPr lang="en-US" smtClean="0"/>
-              <a:t>2024-04-06</a:t>
+              <a:t>2024-04-12</a:t>
             </a:fld>
             <a:endParaRPr lang="en-US"/>
           </a:p>
@@ -1954,13 +1959,13 @@
   <p:clrMapOvr>
     <a:masterClrMapping/>
   </p:clrMapOvr>
-  <mc:AlternateContent xmlns:mc="http://schemas.openxmlformats.org/markup-compatibility/2006">
-    <mc:Choice xmlns:p14="http://schemas.microsoft.com/office/powerpoint/2010/main" Requires="p14">
+  <mc:AlternateContent xmlns:mc="http://schemas.openxmlformats.org/markup-compatibility/2006" xmlns:p14="http://schemas.microsoft.com/office/powerpoint/2010/main">
+    <mc:Choice Requires="p14">
       <p:transition spd="slow" p14:dur="1500">
         <p:random/>
       </p:transition>
     </mc:Choice>
-    <mc:Fallback>
+    <mc:Fallback xmlns="">
       <p:transition spd="slow">
         <p:random/>
       </p:transition>
@@ -2037,7 +2042,7 @@
           <a:p>
             <a:fld id="{A85EE0F3-F092-427D-A36C-2DB87EBD6FA5}" type="datetimeFigureOut">
               <a:rPr lang="en-US" smtClean="0"/>
-              <a:t>2024-04-06</a:t>
+              <a:t>2024-04-12</a:t>
             </a:fld>
             <a:endParaRPr lang="en-US"/>
           </a:p>
@@ -2107,13 +2112,13 @@
   <p:clrMapOvr>
     <a:masterClrMapping/>
   </p:clrMapOvr>
-  <mc:AlternateContent xmlns:mc="http://schemas.openxmlformats.org/markup-compatibility/2006">
-    <mc:Choice xmlns:p14="http://schemas.microsoft.com/office/powerpoint/2010/main" Requires="p14">
+  <mc:AlternateContent xmlns:mc="http://schemas.openxmlformats.org/markup-compatibility/2006" xmlns:p14="http://schemas.microsoft.com/office/powerpoint/2010/main">
+    <mc:Choice Requires="p14">
       <p:transition spd="slow" p14:dur="1500">
         <p:random/>
       </p:transition>
     </mc:Choice>
-    <mc:Fallback>
+    <mc:Fallback xmlns="">
       <p:transition spd="slow">
         <p:random/>
       </p:transition>
@@ -2162,7 +2167,7 @@
           <a:p>
             <a:fld id="{A85EE0F3-F092-427D-A36C-2DB87EBD6FA5}" type="datetimeFigureOut">
               <a:rPr lang="en-US" smtClean="0"/>
-              <a:t>2024-04-06</a:t>
+              <a:t>2024-04-12</a:t>
             </a:fld>
             <a:endParaRPr lang="en-US"/>
           </a:p>
@@ -2232,13 +2237,13 @@
   <p:clrMapOvr>
     <a:masterClrMapping/>
   </p:clrMapOvr>
-  <mc:AlternateContent xmlns:mc="http://schemas.openxmlformats.org/markup-compatibility/2006">
-    <mc:Choice xmlns:p14="http://schemas.microsoft.com/office/powerpoint/2010/main" Requires="p14">
+  <mc:AlternateContent xmlns:mc="http://schemas.openxmlformats.org/markup-compatibility/2006" xmlns:p14="http://schemas.microsoft.com/office/powerpoint/2010/main">
+    <mc:Choice Requires="p14">
       <p:transition spd="slow" p14:dur="1500">
         <p:random/>
       </p:transition>
     </mc:Choice>
-    <mc:Fallback>
+    <mc:Fallback xmlns="">
       <p:transition spd="slow">
         <p:random/>
       </p:transition>
@@ -2485,7 +2490,7 @@
           <a:p>
             <a:fld id="{A85EE0F3-F092-427D-A36C-2DB87EBD6FA5}" type="datetimeFigureOut">
               <a:rPr lang="en-US" smtClean="0"/>
-              <a:t>2024-04-06</a:t>
+              <a:t>2024-04-12</a:t>
             </a:fld>
             <a:endParaRPr lang="en-US"/>
           </a:p>
@@ -2555,13 +2560,13 @@
   <p:clrMapOvr>
     <a:masterClrMapping/>
   </p:clrMapOvr>
-  <mc:AlternateContent xmlns:mc="http://schemas.openxmlformats.org/markup-compatibility/2006">
-    <mc:Choice xmlns:p14="http://schemas.microsoft.com/office/powerpoint/2010/main" Requires="p14">
+  <mc:AlternateContent xmlns:mc="http://schemas.openxmlformats.org/markup-compatibility/2006" xmlns:p14="http://schemas.microsoft.com/office/powerpoint/2010/main">
+    <mc:Choice Requires="p14">
       <p:transition spd="slow" p14:dur="1500">
         <p:random/>
       </p:transition>
     </mc:Choice>
-    <mc:Fallback>
+    <mc:Fallback xmlns="">
       <p:transition spd="slow">
         <p:random/>
       </p:transition>
@@ -2785,7 +2790,7 @@
           <a:p>
             <a:fld id="{A85EE0F3-F092-427D-A36C-2DB87EBD6FA5}" type="datetimeFigureOut">
               <a:rPr lang="en-US" smtClean="0"/>
-              <a:t>2024-04-06</a:t>
+              <a:t>2024-04-12</a:t>
             </a:fld>
             <a:endParaRPr lang="en-US"/>
           </a:p>
@@ -2855,13 +2860,13 @@
   <p:clrMapOvr>
     <a:masterClrMapping/>
   </p:clrMapOvr>
-  <mc:AlternateContent xmlns:mc="http://schemas.openxmlformats.org/markup-compatibility/2006">
-    <mc:Choice xmlns:p14="http://schemas.microsoft.com/office/powerpoint/2010/main" Requires="p14">
+  <mc:AlternateContent xmlns:mc="http://schemas.openxmlformats.org/markup-compatibility/2006" xmlns:p14="http://schemas.microsoft.com/office/powerpoint/2010/main">
+    <mc:Choice Requires="p14">
       <p:transition spd="slow" p14:dur="1500">
         <p:random/>
       </p:transition>
     </mc:Choice>
-    <mc:Fallback>
+    <mc:Fallback xmlns="">
       <p:transition spd="slow">
         <p:random/>
       </p:transition>
@@ -3038,7 +3043,7 @@
           <a:p>
             <a:fld id="{A85EE0F3-F092-427D-A36C-2DB87EBD6FA5}" type="datetimeFigureOut">
               <a:rPr lang="en-US" smtClean="0"/>
-              <a:t>2024-04-06</a:t>
+              <a:t>2024-04-12</a:t>
             </a:fld>
             <a:endParaRPr lang="en-US"/>
           </a:p>
@@ -3155,13 +3160,13 @@
     <p:sldLayoutId id="2147483658" r:id="rId10"/>
     <p:sldLayoutId id="2147483659" r:id="rId11"/>
   </p:sldLayoutIdLst>
-  <mc:AlternateContent xmlns:mc="http://schemas.openxmlformats.org/markup-compatibility/2006">
-    <mc:Choice xmlns:p14="http://schemas.microsoft.com/office/powerpoint/2010/main" Requires="p14">
+  <mc:AlternateContent xmlns:mc="http://schemas.openxmlformats.org/markup-compatibility/2006" xmlns:p14="http://schemas.microsoft.com/office/powerpoint/2010/main">
+    <mc:Choice Requires="p14">
       <p:transition spd="slow" p14:dur="1500">
         <p:random/>
       </p:transition>
     </mc:Choice>
-    <mc:Fallback>
+    <mc:Fallback xmlns="">
       <p:transition spd="slow">
         <p:random/>
       </p:transition>
@@ -3497,7 +3502,7 @@
           <a:p>
             <a:r>
               <a:rPr lang="en-US" dirty="0"/>
-              <a:t>authorization vs authentication</a:t>
+              <a:t>difference about join and union</a:t>
             </a:r>
           </a:p>
         </p:txBody>
@@ -3512,13 +3517,13 @@
   <p:clrMapOvr>
     <a:masterClrMapping/>
   </p:clrMapOvr>
-  <mc:AlternateContent xmlns:mc="http://schemas.openxmlformats.org/markup-compatibility/2006">
-    <mc:Choice xmlns:p14="http://schemas.microsoft.com/office/powerpoint/2010/main" Requires="p14">
+  <mc:AlternateContent xmlns:mc="http://schemas.openxmlformats.org/markup-compatibility/2006" xmlns:p14="http://schemas.microsoft.com/office/powerpoint/2010/main">
+    <mc:Choice Requires="p14">
       <p:transition spd="slow" p14:dur="1500">
         <p:random/>
       </p:transition>
     </mc:Choice>
-    <mc:Fallback>
+    <mc:Fallback xmlns="">
       <p:transition spd="slow">
         <p:random/>
       </p:transition>
@@ -3572,7 +3577,7 @@
           <a:p>
             <a:r>
               <a:rPr lang="en-US" dirty="0"/>
-              <a:t>authentication</a:t>
+              <a:t>union</a:t>
             </a:r>
           </a:p>
         </p:txBody>
@@ -3601,37 +3606,53 @@
         </p:spPr>
         <p:txBody>
           <a:bodyPr>
-            <a:normAutofit fontScale="85000" lnSpcReduction="20000"/>
+            <a:normAutofit/>
           </a:bodyPr>
           <a:lstStyle/>
           <a:p>
             <a:pPr algn="r" rtl="1"/>
             <a:r>
               <a:rPr lang="ar-EG" dirty="0" err="1"/>
-              <a:t>بإختصار</a:t>
+              <a:t>بستخدمها</a:t>
             </a:r>
             <a:r>
               <a:rPr lang="ar-EG" dirty="0"/>
-              <a:t> أكني بقول للمستخدم انت مين ففيه انا بتحقق من المستخدم دا إذا كان من ضمن السيستم </a:t>
+              <a:t> في وقت </a:t>
             </a:r>
             <a:r>
               <a:rPr lang="ar-EG" dirty="0" err="1"/>
-              <a:t>بتاعي</a:t>
+              <a:t>مااكون</a:t>
             </a:r>
             <a:r>
               <a:rPr lang="ar-EG" dirty="0"/>
-              <a:t> او لا </a:t>
+              <a:t> عاوز استخرج داتا من اكتر من جملة </a:t>
+            </a:r>
+            <a:r>
+              <a:rPr lang="en-US" dirty="0"/>
+              <a:t>select</a:t>
+            </a:r>
+            <a:r>
+              <a:rPr lang="ar-EG" dirty="0"/>
+              <a:t> بحيث </a:t>
+            </a:r>
+            <a:r>
+              <a:rPr lang="ar-EG" dirty="0" err="1"/>
+              <a:t>بتظهر</a:t>
+            </a:r>
+            <a:r>
+              <a:rPr lang="ar-EG" dirty="0"/>
+              <a:t> الداتا تحت بعض في اكتر من صف</a:t>
             </a:r>
           </a:p>
           <a:p>
             <a:pPr algn="r" rtl="1"/>
             <a:r>
               <a:rPr lang="ar-EG" dirty="0"/>
-              <a:t>في </a:t>
+              <a:t>لو عندي داتا </a:t>
             </a:r>
             <a:r>
               <a:rPr lang="ar-EG" dirty="0" err="1"/>
-              <a:t>العاده</a:t>
+              <a:t>متكرره</a:t>
             </a:r>
             <a:r>
               <a:rPr lang="ar-EG" dirty="0"/>
@@ -3639,125 +3660,17 @@
             </a:r>
             <a:r>
               <a:rPr lang="ar-EG" dirty="0" err="1"/>
-              <a:t>بتحصل</a:t>
-            </a:r>
-            <a:r>
-              <a:rPr lang="ar-EG" dirty="0"/>
-              <a:t> قبل عملية </a:t>
-            </a:r>
-            <a:r>
-              <a:rPr lang="en-US" sz="2000" dirty="0"/>
-              <a:t>authorization</a:t>
-            </a:r>
-            <a:endParaRPr lang="ar-EG" sz="2000" dirty="0"/>
-          </a:p>
-          <a:p>
-            <a:pPr algn="r" rtl="1"/>
-            <a:r>
-              <a:rPr lang="ar-EG" dirty="0"/>
-              <a:t>في </a:t>
-            </a:r>
-            <a:r>
-              <a:rPr lang="ar-EG" dirty="0" err="1"/>
-              <a:t>العاده</a:t>
+              <a:t>بتتشال</a:t>
             </a:r>
             <a:r>
               <a:rPr lang="ar-EG" dirty="0"/>
               <a:t> </a:t>
             </a:r>
             <a:r>
-              <a:rPr lang="ar-EG" dirty="0" err="1"/>
-              <a:t>بحتاج</a:t>
-            </a:r>
-            <a:r>
-              <a:rPr lang="ar-EG" dirty="0"/>
-              <a:t> فيها معلومات تسجيل الدخول </a:t>
-            </a:r>
-            <a:r>
-              <a:rPr lang="ar-EG" dirty="0" err="1"/>
-              <a:t>الخاصه</a:t>
-            </a:r>
-            <a:r>
-              <a:rPr lang="ar-EG" dirty="0"/>
-              <a:t> بالمستخدم علشان اتحقق منه</a:t>
-            </a:r>
-          </a:p>
-          <a:p>
-            <a:pPr algn="r" rtl="1"/>
-            <a:r>
-              <a:rPr lang="ar-EG" dirty="0"/>
-              <a:t>ممكن اغير في المعلومات </a:t>
-            </a:r>
-            <a:r>
-              <a:rPr lang="ar-EG" dirty="0" err="1"/>
-              <a:t>الخاصه</a:t>
-            </a:r>
-            <a:r>
-              <a:rPr lang="ar-EG" dirty="0"/>
-              <a:t> </a:t>
-            </a:r>
-            <a:r>
-              <a:rPr lang="ar-EG" dirty="0" err="1"/>
-              <a:t>بيا</a:t>
-            </a:r>
-            <a:r>
-              <a:rPr lang="ar-EG" dirty="0"/>
-              <a:t> كمستخدم عادي او اطلب تغييرها عموما</a:t>
-            </a:r>
-          </a:p>
-          <a:p>
-            <a:pPr algn="r" rtl="1"/>
-            <a:r>
-              <a:rPr lang="ar-EG" dirty="0"/>
-              <a:t>ممكن اشوف </a:t>
-            </a:r>
-            <a:r>
-              <a:rPr lang="ar-EG" dirty="0" err="1"/>
-              <a:t>العمليه</a:t>
-            </a:r>
-            <a:r>
-              <a:rPr lang="ar-EG" dirty="0"/>
-              <a:t> دي بحيث اقدر اطلع على المعلومات </a:t>
-            </a:r>
-            <a:r>
-              <a:rPr lang="ar-EG" dirty="0" err="1"/>
-              <a:t>بتاعتي</a:t>
+              <a:rPr lang="ar-EG"/>
+              <a:t>بشكل تلقائي</a:t>
             </a:r>
             <a:endParaRPr lang="ar-EG" dirty="0"/>
-          </a:p>
-          <a:p>
-            <a:pPr algn="r" rtl="1"/>
-            <a:r>
-              <a:rPr lang="ar-EG" b="1" dirty="0" err="1"/>
-              <a:t>نيجي</a:t>
-            </a:r>
-            <a:r>
-              <a:rPr lang="ar-EG" b="1" dirty="0"/>
-              <a:t> للمثال بقاا:</a:t>
-            </a:r>
-            <a:br>
-              <a:rPr lang="ar-EG" dirty="0"/>
-            </a:br>
-            <a:r>
-              <a:rPr lang="ar-EG" dirty="0"/>
-              <a:t>بطلب من الموظفين مثلا انهم يعملوا تسجيل دخول فبالتالي يحصل عملية </a:t>
-            </a:r>
-            <a:r>
-              <a:rPr lang="ar-EG" dirty="0" err="1"/>
-              <a:t>المصادقه</a:t>
-            </a:r>
-            <a:r>
-              <a:rPr lang="ar-EG" dirty="0"/>
-              <a:t> </a:t>
-            </a:r>
-            <a:r>
-              <a:rPr lang="ar-EG" dirty="0" err="1"/>
-              <a:t>بتاعتنا</a:t>
-            </a:r>
-            <a:r>
-              <a:rPr lang="ar-EG" dirty="0"/>
-              <a:t> لو المعلومات اللي داخلها صحيحه من اسم المستخدم لكلمة المرور مثلا او بصمة الصباع وهكذا</a:t>
-            </a:r>
           </a:p>
         </p:txBody>
       </p:sp>
@@ -3789,7 +3702,7 @@
           <a:p>
             <a:r>
               <a:rPr lang="en-US" dirty="0"/>
-              <a:t>authorization</a:t>
+              <a:t>join</a:t>
             </a:r>
           </a:p>
         </p:txBody>
@@ -3818,37 +3731,45 @@
         </p:spPr>
         <p:txBody>
           <a:bodyPr>
-            <a:normAutofit fontScale="85000" lnSpcReduction="20000"/>
+            <a:normAutofit/>
           </a:bodyPr>
           <a:lstStyle/>
           <a:p>
             <a:pPr algn="r" rtl="1"/>
             <a:r>
               <a:rPr lang="ar-EG" dirty="0" err="1"/>
-              <a:t>بإختصار</a:t>
+              <a:t>بستخدمها</a:t>
             </a:r>
             <a:r>
               <a:rPr lang="ar-EG" dirty="0"/>
-              <a:t> فيه أكني بقول للمستخدم ايه هي الصلاحيات اللي عندك في السيستم دا يعني ليك مثلا تدخل على صفحه </a:t>
+              <a:t> علشان لو عاوز استخرج داتا من اكتر من جدول </a:t>
             </a:r>
             <a:r>
               <a:rPr lang="ar-EG" dirty="0" err="1"/>
-              <a:t>الفلانيه</a:t>
+              <a:t>وبتظهر</a:t>
             </a:r>
             <a:r>
               <a:rPr lang="ar-EG" dirty="0"/>
-              <a:t> ولا لا وهكذا</a:t>
+              <a:t> الداتا </a:t>
+            </a:r>
+            <a:r>
+              <a:rPr lang="ar-EG" dirty="0" err="1"/>
+              <a:t>بتاعتي</a:t>
+            </a:r>
+            <a:r>
+              <a:rPr lang="ar-EG" dirty="0"/>
+              <a:t> في عواميد جنب بعض في اكتر من عمود</a:t>
             </a:r>
           </a:p>
           <a:p>
             <a:pPr algn="r" rtl="1"/>
             <a:r>
               <a:rPr lang="ar-EG" dirty="0"/>
-              <a:t>في </a:t>
+              <a:t>لو عندي داتا </a:t>
             </a:r>
             <a:r>
               <a:rPr lang="ar-EG" dirty="0" err="1"/>
-              <a:t>العاده</a:t>
+              <a:t>متكرره</a:t>
             </a:r>
             <a:r>
               <a:rPr lang="ar-EG" dirty="0"/>
@@ -3856,135 +3777,11 @@
             </a:r>
             <a:r>
               <a:rPr lang="ar-EG" dirty="0" err="1"/>
-              <a:t>بتحصل</a:t>
+              <a:t>بتظهر</a:t>
             </a:r>
             <a:r>
               <a:rPr lang="ar-EG" dirty="0"/>
-              <a:t> بعد عملية </a:t>
-            </a:r>
-            <a:r>
-              <a:rPr lang="en-US" sz="1800" dirty="0"/>
-              <a:t>authentication</a:t>
-            </a:r>
-            <a:endParaRPr lang="ar-EG" dirty="0"/>
-          </a:p>
-          <a:p>
-            <a:pPr algn="r" rtl="1"/>
-            <a:r>
-              <a:rPr lang="ar-EG" dirty="0"/>
-              <a:t>هنا في </a:t>
-            </a:r>
-            <a:r>
-              <a:rPr lang="ar-EG" dirty="0" err="1"/>
-              <a:t>العاده</a:t>
-            </a:r>
-            <a:r>
-              <a:rPr lang="ar-EG" dirty="0"/>
-              <a:t> </a:t>
-            </a:r>
-            <a:r>
-              <a:rPr lang="ar-EG" dirty="0" err="1"/>
-              <a:t>بحتاج</a:t>
-            </a:r>
-            <a:r>
-              <a:rPr lang="ar-EG" dirty="0"/>
-              <a:t> </a:t>
-            </a:r>
-            <a:r>
-              <a:rPr lang="ar-EG" dirty="0" err="1"/>
-              <a:t>الإمتيازات</a:t>
-            </a:r>
-            <a:r>
-              <a:rPr lang="ar-EG" dirty="0"/>
-              <a:t> او الحاجات اللي ممكن المستخدم يوصل ليها</a:t>
-            </a:r>
-          </a:p>
-          <a:p>
-            <a:pPr algn="r" rtl="1"/>
-            <a:r>
-              <a:rPr lang="ar-EG" dirty="0" err="1"/>
-              <a:t>مقدرش</a:t>
-            </a:r>
-            <a:r>
-              <a:rPr lang="ar-EG" dirty="0"/>
-              <a:t> اغير في الصلاحيات </a:t>
-            </a:r>
-            <a:r>
-              <a:rPr lang="ar-EG" dirty="0" err="1"/>
-              <a:t>بتاعتي</a:t>
-            </a:r>
-            <a:r>
-              <a:rPr lang="ar-EG" dirty="0"/>
-              <a:t> كيوزر لازم صاحب النظام هو اللي يحدد الصلاحيات </a:t>
-            </a:r>
-            <a:r>
-              <a:rPr lang="ar-EG" dirty="0" err="1"/>
-              <a:t>بتاعتي</a:t>
-            </a:r>
-            <a:r>
-              <a:rPr lang="ar-EG" dirty="0"/>
-              <a:t> أو اخترق النظام واخد كل الصلاحيات ☠</a:t>
-            </a:r>
-          </a:p>
-          <a:p>
-            <a:pPr algn="r" rtl="1"/>
-            <a:r>
-              <a:rPr lang="ar-EG" dirty="0" err="1"/>
-              <a:t>معرفش</a:t>
-            </a:r>
-            <a:r>
-              <a:rPr lang="ar-EG" dirty="0"/>
-              <a:t> اشوف </a:t>
-            </a:r>
-            <a:r>
-              <a:rPr lang="ar-EG" dirty="0" err="1"/>
-              <a:t>العمليه</a:t>
-            </a:r>
-            <a:r>
-              <a:rPr lang="ar-EG" dirty="0"/>
-              <a:t> دي بحيث انها بتكون خاصه بصاحب النظام فقط</a:t>
-            </a:r>
-          </a:p>
-          <a:p>
-            <a:pPr algn="r" rtl="1"/>
-            <a:r>
-              <a:rPr lang="ar-EG" dirty="0" err="1"/>
-              <a:t>نيجي</a:t>
-            </a:r>
-            <a:r>
-              <a:rPr lang="ar-EG" dirty="0"/>
-              <a:t> للمثال بقاا:</a:t>
-            </a:r>
-            <a:br>
-              <a:rPr lang="ar-EG" dirty="0"/>
-            </a:br>
-            <a:r>
-              <a:rPr lang="ar-EG" dirty="0"/>
-              <a:t>بعد </a:t>
-            </a:r>
-            <a:r>
-              <a:rPr lang="ar-EG" dirty="0" err="1"/>
-              <a:t>مالموظفين</a:t>
-            </a:r>
-            <a:r>
-              <a:rPr lang="ar-EG" dirty="0"/>
-              <a:t> اللي فاتو دول عملوا عملية </a:t>
-            </a:r>
-            <a:r>
-              <a:rPr lang="ar-EG" dirty="0" err="1"/>
-              <a:t>المصادقه</a:t>
-            </a:r>
-            <a:r>
-              <a:rPr lang="ar-EG" dirty="0"/>
-              <a:t> </a:t>
-            </a:r>
-            <a:r>
-              <a:rPr lang="ar-EG" dirty="0" err="1"/>
-              <a:t>بيحدد</a:t>
-            </a:r>
-            <a:r>
-              <a:rPr lang="ar-EG" dirty="0"/>
-              <a:t> النظام ايه المعلومات اللي المفروض تظهر لكل موظف واي موظف ممكن يعدل عليها ومين لا وهكذا</a:t>
+              <a:t> عادي</a:t>
             </a:r>
           </a:p>
         </p:txBody>
@@ -3999,13 +3796,13 @@
   <p:clrMapOvr>
     <a:masterClrMapping/>
   </p:clrMapOvr>
-  <mc:AlternateContent xmlns:mc="http://schemas.openxmlformats.org/markup-compatibility/2006">
-    <mc:Choice xmlns:p14="http://schemas.microsoft.com/office/powerpoint/2010/main" Requires="p14">
+  <mc:AlternateContent xmlns:mc="http://schemas.openxmlformats.org/markup-compatibility/2006" xmlns:p14="http://schemas.microsoft.com/office/powerpoint/2010/main">
+    <mc:Choice Requires="p14">
       <p:transition spd="slow" p14:dur="1500">
         <p:random/>
       </p:transition>
     </mc:Choice>
-    <mc:Fallback>
+    <mc:Fallback xmlns="">
       <p:transition spd="slow">
         <p:random/>
       </p:transition>
@@ -4069,13 +3866,13 @@
   <p:clrMapOvr>
     <a:masterClrMapping/>
   </p:clrMapOvr>
-  <mc:AlternateContent xmlns:mc="http://schemas.openxmlformats.org/markup-compatibility/2006">
-    <mc:Choice xmlns:p14="http://schemas.microsoft.com/office/powerpoint/2010/main" Requires="p14">
+  <mc:AlternateContent xmlns:mc="http://schemas.openxmlformats.org/markup-compatibility/2006" xmlns:p14="http://schemas.microsoft.com/office/powerpoint/2010/main">
+    <mc:Choice Requires="p14">
       <p:transition spd="slow" p14:dur="1500">
         <p:random/>
       </p:transition>
     </mc:Choice>
-    <mc:Fallback>
+    <mc:Fallback xmlns="">
       <p:transition spd="slow">
         <p:random/>
       </p:transition>
